--- a/Part 2/Lecture 2.pptx
+++ b/Part 2/Lecture 2.pptx
@@ -131,6 +131,30 @@
 
 <file path=ppt/changesInfos/changesInfo1.xml><?xml version="1.0" encoding="utf-8"?>
 <pc:chgInfo xmlns:a="http://schemas.openxmlformats.org/drawingml/2006/main" xmlns:r="http://schemas.openxmlformats.org/officeDocument/2006/relationships" xmlns:ac="http://schemas.microsoft.com/office/drawing/2013/main/command" xmlns:pc="http://schemas.microsoft.com/office/powerpoint/2013/main/command">
+  <pc:docChgLst>
+    <pc:chgData name="Sonia Tara Hegde" userId="d93a2558-a889-4521-bcb4-6ed3fce9e012" providerId="ADAL" clId="{404A9189-74D6-8143-A7AE-2E67D41D6D1E}"/>
+    <pc:docChg chg="modSld">
+      <pc:chgData name="Sonia Tara Hegde" userId="d93a2558-a889-4521-bcb4-6ed3fce9e012" providerId="ADAL" clId="{404A9189-74D6-8143-A7AE-2E67D41D6D1E}" dt="2025-07-29T16:35:17.252" v="16" actId="20577"/>
+      <pc:docMkLst>
+        <pc:docMk/>
+      </pc:docMkLst>
+      <pc:sldChg chg="modSp mod">
+        <pc:chgData name="Sonia Tara Hegde" userId="d93a2558-a889-4521-bcb4-6ed3fce9e012" providerId="ADAL" clId="{404A9189-74D6-8143-A7AE-2E67D41D6D1E}" dt="2025-07-29T16:35:17.252" v="16" actId="20577"/>
+        <pc:sldMkLst>
+          <pc:docMk/>
+          <pc:sldMk cId="4234954616" sldId="256"/>
+        </pc:sldMkLst>
+        <pc:spChg chg="mod">
+          <ac:chgData name="Sonia Tara Hegde" userId="d93a2558-a889-4521-bcb4-6ed3fce9e012" providerId="ADAL" clId="{404A9189-74D6-8143-A7AE-2E67D41D6D1E}" dt="2025-07-29T16:35:17.252" v="16" actId="20577"/>
+          <ac:spMkLst>
+            <pc:docMk/>
+            <pc:sldMk cId="4234954616" sldId="256"/>
+            <ac:spMk id="2" creationId="{5FC40703-2282-157B-9E09-881EED295639}"/>
+          </ac:spMkLst>
+        </pc:spChg>
+      </pc:sldChg>
+    </pc:docChg>
+  </pc:docChgLst>
   <pc:docChgLst>
     <pc:chgData name="Sonia Tara Hegde" userId="d93a2558-a889-4521-bcb4-6ed3fce9e012" providerId="ADAL" clId="{8F23145C-A13B-A342-8814-4A755A7320F9}"/>
     <pc:docChg chg="undo custSel addSld delSld modSld">
@@ -371,30 +395,6 @@
       </pc:sldChg>
     </pc:docChg>
   </pc:docChgLst>
-  <pc:docChgLst>
-    <pc:chgData name="Sonia Tara Hegde" userId="d93a2558-a889-4521-bcb4-6ed3fce9e012" providerId="ADAL" clId="{404A9189-74D6-8143-A7AE-2E67D41D6D1E}"/>
-    <pc:docChg chg="modSld">
-      <pc:chgData name="Sonia Tara Hegde" userId="d93a2558-a889-4521-bcb4-6ed3fce9e012" providerId="ADAL" clId="{404A9189-74D6-8143-A7AE-2E67D41D6D1E}" dt="2025-07-29T16:35:17.252" v="16" actId="20577"/>
-      <pc:docMkLst>
-        <pc:docMk/>
-      </pc:docMkLst>
-      <pc:sldChg chg="modSp mod">
-        <pc:chgData name="Sonia Tara Hegde" userId="d93a2558-a889-4521-bcb4-6ed3fce9e012" providerId="ADAL" clId="{404A9189-74D6-8143-A7AE-2E67D41D6D1E}" dt="2025-07-29T16:35:17.252" v="16" actId="20577"/>
-        <pc:sldMkLst>
-          <pc:docMk/>
-          <pc:sldMk cId="4234954616" sldId="256"/>
-        </pc:sldMkLst>
-        <pc:spChg chg="mod">
-          <ac:chgData name="Sonia Tara Hegde" userId="d93a2558-a889-4521-bcb4-6ed3fce9e012" providerId="ADAL" clId="{404A9189-74D6-8143-A7AE-2E67D41D6D1E}" dt="2025-07-29T16:35:17.252" v="16" actId="20577"/>
-          <ac:spMkLst>
-            <pc:docMk/>
-            <pc:sldMk cId="4234954616" sldId="256"/>
-            <ac:spMk id="2" creationId="{5FC40703-2282-157B-9E09-881EED295639}"/>
-          </ac:spMkLst>
-        </pc:spChg>
-      </pc:sldChg>
-    </pc:docChg>
-  </pc:docChgLst>
 </pc:chgInfo>
 </file>
 
@@ -480,7 +480,7 @@
           <a:p>
             <a:fld id="{EE2E33BD-E1BA-3C4D-B01A-FFAC454B8D70}" type="datetimeFigureOut">
               <a:rPr lang="en-US" smtClean="0"/>
-              <a:t>7/29/25</a:t>
+              <a:t>7/30/25</a:t>
             </a:fld>
             <a:endParaRPr lang="en-US"/>
           </a:p>
@@ -1038,11 +1038,8 @@
                 <a:effectLst/>
                 <a:latin typeface="-apple-system"/>
               </a:rPr>
-              <a:t>Typically plot graphics will display in the Plot pane. Interactive or HTML outputs will display in the Viewer pane. The Help pane can display documentation and help files. The Files pane is a browser which can be used to open or delete files and to set your working directory. The Packages pane allows you to see, install, update, delete, load/unload R packages, and see which version of the package you have. </a:t>
-            </a:r>
-          </a:p>
-          <a:p>
-            <a:endParaRPr lang="en-US" dirty="0"/>
+              <a:t>Typically plot graphics will display in the Plot pane. Interactive or HTML outputs will display in the Viewer pane. The Help pane can display documentation and help files. The Files pane is a browser which can be used to open or delete files and to set your working directory. The Packages pane allows you to see, install, update, delete, load/unload R packages, and see which version of the package you have.</a:t>
+            </a:r>
           </a:p>
         </p:txBody>
       </p:sp>
@@ -1125,87 +1122,6 @@
         <p:txBody>
           <a:bodyPr/>
           <a:lstStyle/>
-          <a:p>
-            <a:r>
-              <a:rPr lang="en-US" b="0" i="0" dirty="0">
-                <a:solidFill>
-                  <a:srgbClr val="444746"/>
-                </a:solidFill>
-                <a:effectLst/>
-                <a:latin typeface="Google Sans"/>
-              </a:rPr>
-              <a:t>Some other things to be added to consider adding to the sample meta data: (genomic literature note these can be encoded as NA) host species (e.g. other non-human serology), geographical location name, </a:t>
-            </a:r>
-            <a:r>
-              <a:rPr lang="en-US" b="0" i="0" dirty="0" err="1">
-                <a:solidFill>
-                  <a:srgbClr val="444746"/>
-                </a:solidFill>
-                <a:effectLst/>
-                <a:latin typeface="Google Sans"/>
-              </a:rPr>
-              <a:t>lat</a:t>
-            </a:r>
-            <a:r>
-              <a:rPr lang="en-US" b="0" i="0" dirty="0">
-                <a:solidFill>
-                  <a:srgbClr val="444746"/>
-                </a:solidFill>
-                <a:effectLst/>
-                <a:latin typeface="Google Sans"/>
-              </a:rPr>
-              <a:t> long</a:t>
-            </a:r>
-            <a:endParaRPr lang="en-US" dirty="0"/>
-          </a:p>
-          <a:p>
-            <a:endParaRPr lang="en-US" dirty="0"/>
-          </a:p>
-          <a:p>
-            <a:r>
-              <a:rPr lang="en-US" dirty="0"/>
-              <a:t>Some things that can be added to experimental meta data: </a:t>
-            </a:r>
-            <a:r>
-              <a:rPr lang="en-US" b="0" i="0" dirty="0">
-                <a:solidFill>
-                  <a:srgbClr val="444746"/>
-                </a:solidFill>
-                <a:effectLst/>
-                <a:latin typeface="Google Sans"/>
-              </a:rPr>
-              <a:t>some other things can also be NA: bead region antigen specific info or control type e.g. GST or blank bead etc. , antigen pathogen, antigen name, </a:t>
-            </a:r>
-            <a:r>
-              <a:rPr lang="en-US" b="0" i="0" dirty="0" err="1">
-                <a:solidFill>
-                  <a:srgbClr val="444746"/>
-                </a:solidFill>
-                <a:effectLst/>
-                <a:latin typeface="Google Sans"/>
-              </a:rPr>
-              <a:t>antien</a:t>
-            </a:r>
-            <a:r>
-              <a:rPr lang="en-US" b="0" i="0" dirty="0">
-                <a:solidFill>
-                  <a:srgbClr val="444746"/>
-                </a:solidFill>
-                <a:effectLst/>
-                <a:latin typeface="Google Sans"/>
-              </a:rPr>
-              <a:t> provenance (commercial, lab that made it etc.), tags</a:t>
-            </a:r>
-          </a:p>
-          <a:p>
-            <a:endParaRPr lang="en-US" b="0" i="0" dirty="0">
-              <a:solidFill>
-                <a:srgbClr val="444746"/>
-              </a:solidFill>
-              <a:effectLst/>
-              <a:latin typeface="Google Sans"/>
-            </a:endParaRPr>
-          </a:p>
           <a:p>
             <a:endParaRPr lang="en-US" b="0" i="0" dirty="0">
               <a:solidFill>
@@ -3361,126 +3277,11 @@
           </a:extLst>
         </p:spPr>
       </p:pic>
-      <p:sp>
-        <p:nvSpPr>
-          <p:cNvPr id="5" name="TextBox 4">
-            <a:extLst>
-              <a:ext uri="{FF2B5EF4-FFF2-40B4-BE49-F238E27FC236}">
-                <a16:creationId xmlns:a16="http://schemas.microsoft.com/office/drawing/2014/main" id="{F9BD13D4-F595-F538-778A-0E4833B12DF1}"/>
-              </a:ext>
-            </a:extLst>
-          </p:cNvPr>
-          <p:cNvSpPr txBox="1"/>
-          <p:nvPr/>
-        </p:nvSpPr>
-        <p:spPr>
-          <a:xfrm>
-            <a:off x="6697197" y="1292079"/>
-            <a:ext cx="4914232" cy="4963577"/>
-          </a:xfrm>
-          <a:prstGeom prst="rect">
-            <a:avLst/>
-          </a:prstGeom>
-          <a:noFill/>
-          <a:ln w="53975">
-            <a:solidFill>
-              <a:srgbClr val="C00000"/>
-            </a:solidFill>
-          </a:ln>
-        </p:spPr>
-        <p:txBody>
-          <a:bodyPr wrap="square" rtlCol="0">
-            <a:spAutoFit/>
-          </a:bodyPr>
-          <a:lstStyle/>
-          <a:p>
-            <a:endParaRPr lang="en-US" dirty="0"/>
-          </a:p>
-        </p:txBody>
-      </p:sp>
     </p:spTree>
   </p:cSld>
   <p:clrMapOvr>
     <a:masterClrMapping/>
   </p:clrMapOvr>
-  <p:timing>
-    <p:tnLst>
-      <p:par>
-        <p:cTn id="1" dur="indefinite" restart="never" nodeType="tmRoot">
-          <p:childTnLst>
-            <p:seq concurrent="1" nextAc="seek">
-              <p:cTn id="2" dur="indefinite" nodeType="mainSeq">
-                <p:childTnLst>
-                  <p:par>
-                    <p:cTn id="3" fill="hold">
-                      <p:stCondLst>
-                        <p:cond delay="indefinite"/>
-                      </p:stCondLst>
-                      <p:childTnLst>
-                        <p:par>
-                          <p:cTn id="4" fill="hold">
-                            <p:stCondLst>
-                              <p:cond delay="0"/>
-                            </p:stCondLst>
-                            <p:childTnLst>
-                              <p:par>
-                                <p:cTn id="5" presetID="1" presetClass="entr" presetSubtype="0" fill="hold" grpId="0" nodeType="clickEffect">
-                                  <p:stCondLst>
-                                    <p:cond delay="0"/>
-                                  </p:stCondLst>
-                                  <p:childTnLst>
-                                    <p:set>
-                                      <p:cBhvr>
-                                        <p:cTn id="6" dur="1" fill="hold">
-                                          <p:stCondLst>
-                                            <p:cond delay="0"/>
-                                          </p:stCondLst>
-                                        </p:cTn>
-                                        <p:tgtEl>
-                                          <p:spTgt spid="5"/>
-                                        </p:tgtEl>
-                                        <p:attrNameLst>
-                                          <p:attrName>style.visibility</p:attrName>
-                                        </p:attrNameLst>
-                                      </p:cBhvr>
-                                      <p:to>
-                                        <p:strVal val="visible"/>
-                                      </p:to>
-                                    </p:set>
-                                  </p:childTnLst>
-                                </p:cTn>
-                              </p:par>
-                            </p:childTnLst>
-                          </p:cTn>
-                        </p:par>
-                      </p:childTnLst>
-                    </p:cTn>
-                  </p:par>
-                </p:childTnLst>
-              </p:cTn>
-              <p:prevCondLst>
-                <p:cond evt="onPrev" delay="0">
-                  <p:tgtEl>
-                    <p:sldTgt/>
-                  </p:tgtEl>
-                </p:cond>
-              </p:prevCondLst>
-              <p:nextCondLst>
-                <p:cond evt="onNext" delay="0">
-                  <p:tgtEl>
-                    <p:sldTgt/>
-                  </p:tgtEl>
-                </p:cond>
-              </p:nextCondLst>
-            </p:seq>
-          </p:childTnLst>
-        </p:cTn>
-      </p:par>
-    </p:tnLst>
-    <p:bldLst>
-      <p:bldP spid="5" grpId="0" animBg="1"/>
-    </p:bldLst>
-  </p:timing>
 </p:sld>
 </file>
 
@@ -5882,111 +5683,6 @@
   <p:clrMapOvr>
     <a:masterClrMapping/>
   </p:clrMapOvr>
-  <p:timing>
-    <p:tnLst>
-      <p:par>
-        <p:cTn id="1" dur="indefinite" restart="never" nodeType="tmRoot">
-          <p:childTnLst>
-            <p:seq concurrent="1" nextAc="seek">
-              <p:cTn id="2" dur="indefinite" nodeType="mainSeq">
-                <p:childTnLst>
-                  <p:par>
-                    <p:cTn id="3" fill="hold">
-                      <p:stCondLst>
-                        <p:cond delay="indefinite"/>
-                      </p:stCondLst>
-                      <p:childTnLst>
-                        <p:par>
-                          <p:cTn id="4" fill="hold">
-                            <p:stCondLst>
-                              <p:cond delay="0"/>
-                            </p:stCondLst>
-                            <p:childTnLst>
-                              <p:par>
-                                <p:cTn id="5" presetID="1" presetClass="entr" presetSubtype="0" fill="hold" nodeType="clickEffect">
-                                  <p:stCondLst>
-                                    <p:cond delay="0"/>
-                                  </p:stCondLst>
-                                  <p:childTnLst>
-                                    <p:set>
-                                      <p:cBhvr>
-                                        <p:cTn id="6" dur="1" fill="hold">
-                                          <p:stCondLst>
-                                            <p:cond delay="0"/>
-                                          </p:stCondLst>
-                                        </p:cTn>
-                                        <p:tgtEl>
-                                          <p:spTgt spid="4"/>
-                                        </p:tgtEl>
-                                        <p:attrNameLst>
-                                          <p:attrName>style.visibility</p:attrName>
-                                        </p:attrNameLst>
-                                      </p:cBhvr>
-                                      <p:to>
-                                        <p:strVal val="visible"/>
-                                      </p:to>
-                                    </p:set>
-                                  </p:childTnLst>
-                                </p:cTn>
-                              </p:par>
-                              <p:par>
-                                <p:cTn id="7" presetID="1" presetClass="entr" presetSubtype="0" fill="hold" grpId="0" nodeType="withEffect">
-                                  <p:stCondLst>
-                                    <p:cond delay="0"/>
-                                  </p:stCondLst>
-                                  <p:childTnLst>
-                                    <p:set>
-                                      <p:cBhvr>
-                                        <p:cTn id="8" dur="1" fill="hold">
-                                          <p:stCondLst>
-                                            <p:cond delay="0"/>
-                                          </p:stCondLst>
-                                        </p:cTn>
-                                        <p:tgtEl>
-                                          <p:spTgt spid="5"/>
-                                        </p:tgtEl>
-                                        <p:attrNameLst>
-                                          <p:attrName>style.visibility</p:attrName>
-                                        </p:attrNameLst>
-                                      </p:cBhvr>
-                                      <p:to>
-                                        <p:strVal val="visible"/>
-                                      </p:to>
-                                    </p:set>
-                                  </p:childTnLst>
-                                </p:cTn>
-                              </p:par>
-                            </p:childTnLst>
-                          </p:cTn>
-                        </p:par>
-                      </p:childTnLst>
-                    </p:cTn>
-                  </p:par>
-                </p:childTnLst>
-              </p:cTn>
-              <p:prevCondLst>
-                <p:cond evt="onPrev" delay="0">
-                  <p:tgtEl>
-                    <p:sldTgt/>
-                  </p:tgtEl>
-                </p:cond>
-              </p:prevCondLst>
-              <p:nextCondLst>
-                <p:cond evt="onNext" delay="0">
-                  <p:tgtEl>
-                    <p:sldTgt/>
-                  </p:tgtEl>
-                </p:cond>
-              </p:nextCondLst>
-            </p:seq>
-          </p:childTnLst>
-        </p:cTn>
-      </p:par>
-    </p:tnLst>
-    <p:bldLst>
-      <p:bldP spid="5" grpId="0" animBg="1"/>
-    </p:bldLst>
-  </p:timing>
 </p:sld>
 </file>
 
@@ -6040,7 +5736,35 @@
                   <a:srgbClr val="C00000"/>
                 </a:solidFill>
               </a:rPr>
-              <a:t>Intro to </a:t>
+              <a:t>Lab2a_Intro to </a:t>
+            </a:r>
+            <a:r>
+              <a:rPr lang="en-US" sz="3600" i="1" dirty="0" err="1">
+                <a:solidFill>
+                  <a:srgbClr val="C00000"/>
+                </a:solidFill>
+              </a:rPr>
+              <a:t>R.pdf</a:t>
+            </a:r>
+            <a:r>
+              <a:rPr lang="en-US" sz="3600" i="1" dirty="0">
+                <a:solidFill>
+                  <a:srgbClr val="C00000"/>
+                </a:solidFill>
+              </a:rPr>
+              <a:t> </a:t>
+            </a:r>
+            <a:r>
+              <a:rPr lang="en-US" sz="3600" dirty="0"/>
+              <a:t>and</a:t>
+            </a:r>
+            <a:r>
+              <a:rPr lang="en-US" sz="3600" i="1" dirty="0">
+                <a:solidFill>
+                  <a:srgbClr val="C00000"/>
+                </a:solidFill>
+              </a:rPr>
+              <a:t> Lab2a_Intro to </a:t>
             </a:r>
             <a:r>
               <a:rPr lang="en-US" sz="3600" i="1" dirty="0" err="1">
@@ -6060,31 +5784,7 @@
             </a:r>
             <a:r>
               <a:rPr lang="en-US" sz="3600" dirty="0"/>
-              <a:t>and </a:t>
-            </a:r>
-            <a:r>
-              <a:rPr lang="en-US" sz="3600" i="1" dirty="0">
-                <a:solidFill>
-                  <a:srgbClr val="C00000"/>
-                </a:solidFill>
-              </a:rPr>
-              <a:t>Intro to </a:t>
-            </a:r>
-            <a:r>
-              <a:rPr lang="en-US" sz="3600" i="1" dirty="0" err="1">
-                <a:solidFill>
-                  <a:srgbClr val="C00000"/>
-                </a:solidFill>
-              </a:rPr>
-              <a:t>R.pdf</a:t>
-            </a:r>
-            <a:r>
-              <a:rPr lang="en-US" sz="3600" i="1" dirty="0">
-                <a:solidFill>
-                  <a:srgbClr val="C00000"/>
-                </a:solidFill>
-              </a:rPr>
-              <a:t> files</a:t>
+              <a:t>files</a:t>
             </a:r>
           </a:p>
         </p:txBody>
@@ -6227,24 +5927,6 @@
             </a:r>
           </a:p>
           <a:p>
-            <a:r>
-              <a:rPr lang="en-US" dirty="0"/>
-              <a:t>Review the </a:t>
-            </a:r>
-            <a:r>
-              <a:rPr lang="en-US" i="1" dirty="0"/>
-              <a:t>Intro to </a:t>
-            </a:r>
-            <a:r>
-              <a:rPr lang="en-US" i="1" dirty="0" err="1"/>
-              <a:t>R.Rmd</a:t>
-            </a:r>
-            <a:endParaRPr lang="en-US" i="1" dirty="0"/>
-          </a:p>
-          <a:p>
-            <a:endParaRPr lang="en-US" dirty="0"/>
-          </a:p>
-          <a:p>
             <a:endParaRPr lang="en-US" dirty="0"/>
           </a:p>
         </p:txBody>
@@ -6594,43 +6276,6 @@
           <a:chExt cx="0" cy="0"/>
         </a:xfrm>
       </p:grpSpPr>
-      <p:sp>
-        <p:nvSpPr>
-          <p:cNvPr id="3" name="TextBox 2">
-            <a:extLst>
-              <a:ext uri="{FF2B5EF4-FFF2-40B4-BE49-F238E27FC236}">
-                <a16:creationId xmlns:a16="http://schemas.microsoft.com/office/drawing/2014/main" id="{303CEC9A-B4ED-31AA-FC09-BE8DC276DDEC}"/>
-              </a:ext>
-            </a:extLst>
-          </p:cNvPr>
-          <p:cNvSpPr txBox="1"/>
-          <p:nvPr/>
-        </p:nvSpPr>
-        <p:spPr>
-          <a:xfrm>
-            <a:off x="4940968" y="2181727"/>
-            <a:ext cx="5899484" cy="2741118"/>
-          </a:xfrm>
-          <a:prstGeom prst="rect">
-            <a:avLst/>
-          </a:prstGeom>
-          <a:noFill/>
-          <a:ln w="53975">
-            <a:solidFill>
-              <a:srgbClr val="C00000"/>
-            </a:solidFill>
-          </a:ln>
-        </p:spPr>
-        <p:txBody>
-          <a:bodyPr wrap="square" rtlCol="0">
-            <a:spAutoFit/>
-          </a:bodyPr>
-          <a:lstStyle/>
-          <a:p>
-            <a:endParaRPr lang="en-US" dirty="0"/>
-          </a:p>
-        </p:txBody>
-      </p:sp>
       <p:pic>
         <p:nvPicPr>
           <p:cNvPr id="1028" name="Picture 4">
@@ -6735,84 +6380,6 @@
   <p:clrMapOvr>
     <a:masterClrMapping/>
   </p:clrMapOvr>
-  <p:timing>
-    <p:tnLst>
-      <p:par>
-        <p:cTn id="1" dur="indefinite" restart="never" nodeType="tmRoot">
-          <p:childTnLst>
-            <p:seq concurrent="1" nextAc="seek">
-              <p:cTn id="2" dur="indefinite" nodeType="mainSeq">
-                <p:childTnLst>
-                  <p:par>
-                    <p:cTn id="3" fill="hold">
-                      <p:stCondLst>
-                        <p:cond delay="indefinite"/>
-                      </p:stCondLst>
-                      <p:childTnLst>
-                        <p:par>
-                          <p:cTn id="4" fill="hold">
-                            <p:stCondLst>
-                              <p:cond delay="0"/>
-                            </p:stCondLst>
-                            <p:childTnLst>
-                              <p:par>
-                                <p:cTn id="5" presetID="1" presetClass="entr" presetSubtype="0" fill="hold" grpId="0" nodeType="clickEffect">
-                                  <p:stCondLst>
-                                    <p:cond delay="0"/>
-                                  </p:stCondLst>
-                                  <p:childTnLst>
-                                    <p:set>
-                                      <p:cBhvr>
-                                        <p:cTn id="6" dur="1" fill="hold">
-                                          <p:stCondLst>
-                                            <p:cond delay="0"/>
-                                          </p:stCondLst>
-                                        </p:cTn>
-                                        <p:tgtEl>
-                                          <p:spTgt spid="3"/>
-                                        </p:tgtEl>
-                                        <p:attrNameLst>
-                                          <p:attrName>style.visibility</p:attrName>
-                                        </p:attrNameLst>
-                                      </p:cBhvr>
-                                      <p:to>
-                                        <p:strVal val="visible"/>
-                                      </p:to>
-                                    </p:set>
-                                  </p:childTnLst>
-                                </p:cTn>
-                              </p:par>
-                            </p:childTnLst>
-                          </p:cTn>
-                        </p:par>
-                      </p:childTnLst>
-                    </p:cTn>
-                  </p:par>
-                </p:childTnLst>
-              </p:cTn>
-              <p:prevCondLst>
-                <p:cond evt="onPrev" delay="0">
-                  <p:tgtEl>
-                    <p:sldTgt/>
-                  </p:tgtEl>
-                </p:cond>
-              </p:prevCondLst>
-              <p:nextCondLst>
-                <p:cond evt="onNext" delay="0">
-                  <p:tgtEl>
-                    <p:sldTgt/>
-                  </p:tgtEl>
-                </p:cond>
-              </p:nextCondLst>
-            </p:seq>
-          </p:childTnLst>
-        </p:cTn>
-      </p:par>
-    </p:tnLst>
-    <p:bldLst>
-      <p:bldP spid="3" grpId="0" animBg="1"/>
-    </p:bldLst>
-  </p:timing>
 </p:sld>
 </file>
 
